--- a/documents/201202 - Bootcamp - KMeans Clustering Final Project.pptx
+++ b/documents/201202 - Bootcamp - KMeans Clustering Final Project.pptx
@@ -117,6 +117,11 @@
       </a:defRPr>
     </a:lvl9pPr>
   </p:defaultTextStyle>
+  <p:extLst>
+    <p:ext uri="{EFAFB233-063F-42B5-8137-9DF3F51BA10A}">
+      <p15:sldGuideLst xmlns:p15="http://schemas.microsoft.com/office/powerpoint/2012/main"/>
+    </p:ext>
+  </p:extLst>
 </p:presentation>
 </file>
 
@@ -2331,7 +2336,7 @@
           <a:p>
             <a:fld id="{EAE051F2-A0CE-4DC6-BD42-8C6B62F9D93A}" type="datetimeFigureOut">
               <a:rPr lang="en-US" smtClean="0"/>
-              <a:t>12/2/2020</a:t>
+              <a:t>12/4/20</a:t>
             </a:fld>
             <a:endParaRPr lang="en-US" dirty="0"/>
           </a:p>
@@ -2385,7 +2390,7 @@
           <a:p>
             <a:fld id="{27053F24-33D9-44E9-97C7-0F4C5F4C05EB}" type="slidenum">
               <a:rPr lang="en-US" smtClean="0"/>
-              <a:t>‹#›</a:t>
+              <a:t>‹Nº›</a:t>
             </a:fld>
             <a:endParaRPr lang="en-US" dirty="0"/>
           </a:p>
@@ -2529,7 +2534,7 @@
           <a:p>
             <a:fld id="{EAE051F2-A0CE-4DC6-BD42-8C6B62F9D93A}" type="datetimeFigureOut">
               <a:rPr lang="en-US" smtClean="0"/>
-              <a:t>12/2/2020</a:t>
+              <a:t>12/4/20</a:t>
             </a:fld>
             <a:endParaRPr lang="en-US" dirty="0"/>
           </a:p>
@@ -2583,7 +2588,7 @@
           <a:p>
             <a:fld id="{27053F24-33D9-44E9-97C7-0F4C5F4C05EB}" type="slidenum">
               <a:rPr lang="en-US" smtClean="0"/>
-              <a:t>‹#›</a:t>
+              <a:t>‹Nº›</a:t>
             </a:fld>
             <a:endParaRPr lang="en-US" dirty="0"/>
           </a:p>
@@ -2737,7 +2742,7 @@
           <a:p>
             <a:fld id="{EAE051F2-A0CE-4DC6-BD42-8C6B62F9D93A}" type="datetimeFigureOut">
               <a:rPr lang="en-US" smtClean="0"/>
-              <a:t>12/2/2020</a:t>
+              <a:t>12/4/20</a:t>
             </a:fld>
             <a:endParaRPr lang="en-US" dirty="0"/>
           </a:p>
@@ -2791,7 +2796,7 @@
           <a:p>
             <a:fld id="{27053F24-33D9-44E9-97C7-0F4C5F4C05EB}" type="slidenum">
               <a:rPr lang="en-US" smtClean="0"/>
-              <a:t>‹#›</a:t>
+              <a:t>‹Nº›</a:t>
             </a:fld>
             <a:endParaRPr lang="en-US" dirty="0"/>
           </a:p>
@@ -2935,7 +2940,7 @@
           <a:p>
             <a:fld id="{EAE051F2-A0CE-4DC6-BD42-8C6B62F9D93A}" type="datetimeFigureOut">
               <a:rPr lang="en-US" smtClean="0"/>
-              <a:t>12/2/2020</a:t>
+              <a:t>12/4/20</a:t>
             </a:fld>
             <a:endParaRPr lang="en-US" dirty="0"/>
           </a:p>
@@ -2989,7 +2994,7 @@
           <a:p>
             <a:fld id="{27053F24-33D9-44E9-97C7-0F4C5F4C05EB}" type="slidenum">
               <a:rPr lang="en-US" smtClean="0"/>
-              <a:t>‹#›</a:t>
+              <a:t>‹Nº›</a:t>
             </a:fld>
             <a:endParaRPr lang="en-US" dirty="0"/>
           </a:p>
@@ -3210,7 +3215,7 @@
           <a:p>
             <a:fld id="{EAE051F2-A0CE-4DC6-BD42-8C6B62F9D93A}" type="datetimeFigureOut">
               <a:rPr lang="en-US" smtClean="0"/>
-              <a:t>12/2/2020</a:t>
+              <a:t>12/4/20</a:t>
             </a:fld>
             <a:endParaRPr lang="en-US" dirty="0"/>
           </a:p>
@@ -3264,7 +3269,7 @@
           <a:p>
             <a:fld id="{27053F24-33D9-44E9-97C7-0F4C5F4C05EB}" type="slidenum">
               <a:rPr lang="en-US" smtClean="0"/>
-              <a:t>‹#›</a:t>
+              <a:t>‹Nº›</a:t>
             </a:fld>
             <a:endParaRPr lang="en-US" dirty="0"/>
           </a:p>
@@ -3475,7 +3480,7 @@
           <a:p>
             <a:fld id="{EAE051F2-A0CE-4DC6-BD42-8C6B62F9D93A}" type="datetimeFigureOut">
               <a:rPr lang="en-US" smtClean="0"/>
-              <a:t>12/2/2020</a:t>
+              <a:t>12/4/20</a:t>
             </a:fld>
             <a:endParaRPr lang="en-US" dirty="0"/>
           </a:p>
@@ -3529,7 +3534,7 @@
           <a:p>
             <a:fld id="{27053F24-33D9-44E9-97C7-0F4C5F4C05EB}" type="slidenum">
               <a:rPr lang="en-US" smtClean="0"/>
-              <a:t>‹#›</a:t>
+              <a:t>‹Nº›</a:t>
             </a:fld>
             <a:endParaRPr lang="en-US" dirty="0"/>
           </a:p>
@@ -3887,7 +3892,7 @@
           <a:p>
             <a:fld id="{EAE051F2-A0CE-4DC6-BD42-8C6B62F9D93A}" type="datetimeFigureOut">
               <a:rPr lang="en-US" smtClean="0"/>
-              <a:t>12/2/2020</a:t>
+              <a:t>12/4/20</a:t>
             </a:fld>
             <a:endParaRPr lang="en-US" dirty="0"/>
           </a:p>
@@ -3941,7 +3946,7 @@
           <a:p>
             <a:fld id="{27053F24-33D9-44E9-97C7-0F4C5F4C05EB}" type="slidenum">
               <a:rPr lang="en-US" smtClean="0"/>
-              <a:t>‹#›</a:t>
+              <a:t>‹Nº›</a:t>
             </a:fld>
             <a:endParaRPr lang="en-US" dirty="0"/>
           </a:p>
@@ -4028,7 +4033,7 @@
           <a:p>
             <a:fld id="{EAE051F2-A0CE-4DC6-BD42-8C6B62F9D93A}" type="datetimeFigureOut">
               <a:rPr lang="en-US" smtClean="0"/>
-              <a:t>12/2/2020</a:t>
+              <a:t>12/4/20</a:t>
             </a:fld>
             <a:endParaRPr lang="en-US" dirty="0"/>
           </a:p>
@@ -4082,7 +4087,7 @@
           <a:p>
             <a:fld id="{27053F24-33D9-44E9-97C7-0F4C5F4C05EB}" type="slidenum">
               <a:rPr lang="en-US" smtClean="0"/>
-              <a:t>‹#›</a:t>
+              <a:t>‹Nº›</a:t>
             </a:fld>
             <a:endParaRPr lang="en-US" dirty="0"/>
           </a:p>
@@ -4141,7 +4146,7 @@
           <a:p>
             <a:fld id="{EAE051F2-A0CE-4DC6-BD42-8C6B62F9D93A}" type="datetimeFigureOut">
               <a:rPr lang="en-US" smtClean="0"/>
-              <a:t>12/2/2020</a:t>
+              <a:t>12/4/20</a:t>
             </a:fld>
             <a:endParaRPr lang="en-US" dirty="0"/>
           </a:p>
@@ -4195,7 +4200,7 @@
           <a:p>
             <a:fld id="{27053F24-33D9-44E9-97C7-0F4C5F4C05EB}" type="slidenum">
               <a:rPr lang="en-US" smtClean="0"/>
-              <a:t>‹#›</a:t>
+              <a:t>‹Nº›</a:t>
             </a:fld>
             <a:endParaRPr lang="en-US" dirty="0"/>
           </a:p>
@@ -4452,7 +4457,7 @@
           <a:p>
             <a:fld id="{EAE051F2-A0CE-4DC6-BD42-8C6B62F9D93A}" type="datetimeFigureOut">
               <a:rPr lang="en-US" smtClean="0"/>
-              <a:t>12/2/2020</a:t>
+              <a:t>12/4/20</a:t>
             </a:fld>
             <a:endParaRPr lang="en-US" dirty="0"/>
           </a:p>
@@ -4506,7 +4511,7 @@
           <a:p>
             <a:fld id="{27053F24-33D9-44E9-97C7-0F4C5F4C05EB}" type="slidenum">
               <a:rPr lang="en-US" smtClean="0"/>
-              <a:t>‹#›</a:t>
+              <a:t>‹Nº›</a:t>
             </a:fld>
             <a:endParaRPr lang="en-US" dirty="0"/>
           </a:p>
@@ -4740,7 +4745,7 @@
           <a:p>
             <a:fld id="{EAE051F2-A0CE-4DC6-BD42-8C6B62F9D93A}" type="datetimeFigureOut">
               <a:rPr lang="en-US" smtClean="0"/>
-              <a:t>12/2/2020</a:t>
+              <a:t>12/4/20</a:t>
             </a:fld>
             <a:endParaRPr lang="en-US" dirty="0"/>
           </a:p>
@@ -4794,7 +4799,7 @@
           <a:p>
             <a:fld id="{27053F24-33D9-44E9-97C7-0F4C5F4C05EB}" type="slidenum">
               <a:rPr lang="en-US" smtClean="0"/>
-              <a:t>‹#›</a:t>
+              <a:t>‹Nº›</a:t>
             </a:fld>
             <a:endParaRPr lang="en-US" dirty="0"/>
           </a:p>
@@ -4981,7 +4986,7 @@
           <a:p>
             <a:fld id="{EAE051F2-A0CE-4DC6-BD42-8C6B62F9D93A}" type="datetimeFigureOut">
               <a:rPr lang="en-US" smtClean="0"/>
-              <a:t>12/2/2020</a:t>
+              <a:t>12/4/20</a:t>
             </a:fld>
             <a:endParaRPr lang="en-US" dirty="0"/>
           </a:p>
@@ -5071,7 +5076,7 @@
           <a:p>
             <a:fld id="{27053F24-33D9-44E9-97C7-0F4C5F4C05EB}" type="slidenum">
               <a:rPr lang="en-US" smtClean="0"/>
-              <a:t>‹#›</a:t>
+              <a:t>‹Nº›</a:t>
             </a:fld>
             <a:endParaRPr lang="en-US" dirty="0"/>
           </a:p>
@@ -6531,7 +6536,7 @@
         </p:blipFill>
         <p:spPr>
           <a:xfrm>
-            <a:off x="5630388" y="1069954"/>
+            <a:off x="3947337" y="1099038"/>
             <a:ext cx="2832465" cy="5456480"/>
           </a:xfrm>
           <a:prstGeom prst="rect">
